--- a/Banner IC Unip azul 2023_APS.pptx
+++ b/Banner IC Unip azul 2023_APS.pptx
@@ -13188,7 +13188,7 @@
         <p:spPr>
           <a:xfrm>
             <a:off x="2553553" y="9374984"/>
-            <a:ext cx="12743640" cy="24327795"/>
+            <a:ext cx="12743640" cy="25585319"/>
           </a:xfrm>
           <a:prstGeom prst="rect">
             <a:avLst/>
@@ -13285,59 +13285,44 @@
             <a:pPr algn="ctr"/>
             <a:endParaRPr lang="pt-BR" sz="4400" dirty="0">
               <a:solidFill>
-                <a:srgbClr val="002060"/>
+                <a:schemeClr val="tx1">
+                  <a:lumMod val="50000"/>
+                </a:schemeClr>
               </a:solidFill>
-              <a:latin typeface="+mj-lt"/>
+              <a:latin typeface="Calibri" panose="020F0502020204030204" pitchFamily="34" charset="0"/>
+              <a:ea typeface="Calibri" panose="020F0502020204030204" pitchFamily="34" charset="0"/>
+              <a:cs typeface="Calibri" panose="020F0502020204030204" pitchFamily="34" charset="0"/>
             </a:endParaRPr>
           </a:p>
           <a:p>
-            <a:pPr algn="ctr">
-              <a:lnSpc>
-                <a:spcPct val="107000"/>
-              </a:lnSpc>
-              <a:spcAft>
-                <a:spcPts val="800"/>
-              </a:spcAft>
-            </a:pPr>
+            <a:pPr algn="ctr"/>
             <a:r>
-              <a:rPr lang="pt-BR" sz="4400" kern="100" dirty="0">
+              <a:rPr lang="pt-BR" sz="4400" i="0" dirty="0">
                 <a:solidFill>
                   <a:srgbClr val="002060"/>
                 </a:solidFill>
                 <a:effectLst/>
                 <a:latin typeface="Calibri" panose="020F0502020204030204" pitchFamily="34" charset="0"/>
                 <a:ea typeface="Calibri" panose="020F0502020204030204" pitchFamily="34" charset="0"/>
-                <a:cs typeface="Times New Roman" panose="02020603050405020304" pitchFamily="18" charset="0"/>
+                <a:cs typeface="Calibri" panose="020F0502020204030204" pitchFamily="34" charset="0"/>
               </a:rPr>
-              <a:t>O transporte publico Urbano de São Paulo em grande parte é composto por empresas terceirizadas que contam com cerca de 12 mil ônibus rodando diariamente, implementando metas de redução com prazos a serem seguidos em qual empresas que não conseguirem atingir podem compensar através do incentivo por meio do credito de carbono. Método já existente em diversas empresas por meio voluntario mostrando um enorme sucesso.</a:t>
+              <a:t>O transporte público urbano de São Paulo, em sua grande maioria, é operado por empresas terceirizadas, que mantêm cerca de 12 mil ônibus circulando diariamente. A implementação de metas de redução, com prazos definidos, é uma estratégia para combater as emissões de CO². Empresas que não conseguirem atingir essas metas teriam a opção de compensar suas emissões por meio de incentivos, como créditos de carbono. Esse método já é adotado por diversas empresas de forma voluntária e tem mostrado um enorme sucesso.</a:t>
             </a:r>
           </a:p>
           <a:p>
-            <a:pPr algn="ctr">
-              <a:lnSpc>
-                <a:spcPct val="107000"/>
-              </a:lnSpc>
-              <a:spcAft>
-                <a:spcPts val="800"/>
-              </a:spcAft>
-            </a:pPr>
+            <a:pPr algn="ctr"/>
             <a:r>
-              <a:rPr lang="pt-BR" sz="4400" kern="100" dirty="0">
+              <a:rPr lang="pt-BR" sz="4400" i="0" dirty="0">
                 <a:solidFill>
                   <a:srgbClr val="002060"/>
                 </a:solidFill>
+                <a:effectLst/>
                 <a:latin typeface="Calibri" panose="020F0502020204030204" pitchFamily="34" charset="0"/>
                 <a:ea typeface="Calibri" panose="020F0502020204030204" pitchFamily="34" charset="0"/>
-                <a:cs typeface="Times New Roman" panose="02020603050405020304" pitchFamily="18" charset="0"/>
+                <a:cs typeface="Calibri" panose="020F0502020204030204" pitchFamily="34" charset="0"/>
               </a:rPr>
-              <a:t>Criamos um programa no qual as empresas de transporte podem ter o conhecimento das suas emissões e a partir disso ter suas metas determinadas.</a:t>
+              <a:t>Propomos a criação de um programa que permita às empresas de transporte calcular suas emissões e, a partir desses dados, estabelecer metas específicas para redução.</a:t>
             </a:r>
-            <a:endParaRPr lang="pt-BR" sz="4400" dirty="0">
-              <a:solidFill>
-                <a:srgbClr val="002060"/>
-              </a:solidFill>
-              <a:latin typeface="+mj-lt"/>
-            </a:endParaRPr>
           </a:p>
           <a:p>
             <a:pPr algn="ctr"/>

--- a/Banner IC Unip azul 2023_APS.pptx
+++ b/Banner IC Unip azul 2023_APS.pptx
@@ -271,7 +271,7 @@
       </p15:notesGuideLst>
     </p:ext>
     <p:ext uri="GoogleSlidesCustomDataVersion2">
-      <go:slidesCustomData xmlns="" xmlns:go="http://customooxmlschemas.google.com/" xmlns:ahyp="http://schemas.microsoft.com/office/drawing/2018/hyperlinkcolor" xmlns:p15="http://schemas.microsoft.com/office/powerpoint/2012/main" xmlns:p14="http://schemas.microsoft.com/office/powerpoint/2010/main" xmlns:com="http://schemas.openxmlformats.org/drawingml/2006/compatibility" xmlns:pvml="urn:schemas-microsoft-com:office:powerpoint" xmlns:v="urn:schemas-microsoft-com:vml" xmlns:o="urn:schemas-microsoft-com:office:office" xmlns:dgm="http://schemas.openxmlformats.org/drawingml/2006/diagram" xmlns:c="http://schemas.openxmlformats.org/drawingml/2006/chart" xmlns:mv="urn:schemas-microsoft-com:mac:vml" xmlns:mc="http://schemas.openxmlformats.org/markup-compatibility/2006" r:id="rId8" roundtripDataSignature="AMtx7mh6aZjlcpVUQjRpVVEJE6phjuHeAg=="/>
+      <go:slidesCustomData xmlns:mc="http://schemas.openxmlformats.org/markup-compatibility/2006" xmlns:mv="urn:schemas-microsoft-com:mac:vml" xmlns:c="http://schemas.openxmlformats.org/drawingml/2006/chart" xmlns:dgm="http://schemas.openxmlformats.org/drawingml/2006/diagram" xmlns:o="urn:schemas-microsoft-com:office:office" xmlns:v="urn:schemas-microsoft-com:vml" xmlns:pvml="urn:schemas-microsoft-com:office:powerpoint" xmlns:com="http://schemas.openxmlformats.org/drawingml/2006/compatibility" xmlns:p14="http://schemas.microsoft.com/office/powerpoint/2010/main" xmlns:p15="http://schemas.microsoft.com/office/powerpoint/2012/main" xmlns:ahyp="http://schemas.microsoft.com/office/drawing/2018/hyperlinkcolor" xmlns:go="http://customooxmlschemas.google.com/" xmlns="" r:id="rId8" roundtripDataSignature="AMtx7mh6aZjlcpVUQjRpVVEJE6phjuHeAg=="/>
     </p:ext>
   </p:extLst>
 </p:presentation>
@@ -13187,8 +13187,8 @@
         </p:nvSpPr>
         <p:spPr>
           <a:xfrm>
-            <a:off x="2553553" y="9374984"/>
-            <a:ext cx="12743640" cy="25585319"/>
+            <a:off x="827031" y="8488491"/>
+            <a:ext cx="16325324" cy="30584508"/>
           </a:xfrm>
           <a:prstGeom prst="rect">
             <a:avLst/>
@@ -13206,63 +13206,253 @@
           <a:p>
             <a:pPr algn="ctr"/>
             <a:r>
-              <a:rPr lang="pt-BR" sz="4400" b="1" dirty="0">
+              <a:rPr lang="pt-BR" sz="3200" b="1" dirty="0">
                 <a:solidFill>
                   <a:srgbClr val="002060"/>
                 </a:solidFill>
                 <a:latin typeface="+mj-lt"/>
               </a:rPr>
-              <a:t>Objetivo</a:t>
+              <a:t>Introdução</a:t>
             </a:r>
           </a:p>
           <a:p>
-            <a:pPr algn="ctr"/>
-            <a:endParaRPr lang="pt-BR" sz="4400" b="1" dirty="0">
+            <a:pPr marL="457200" indent="457200" algn="just" rtl="0">
+              <a:spcBef>
+                <a:spcPts val="905"/>
+              </a:spcBef>
+              <a:spcAft>
+                <a:spcPts val="0"/>
+              </a:spcAft>
+            </a:pPr>
+            <a:r>
+              <a:rPr lang="pt-BR" sz="3200" b="0" i="0" u="none" strike="noStrike" dirty="0">
+                <a:solidFill>
+                  <a:srgbClr val="002060"/>
+                </a:solidFill>
+                <a:effectLst/>
+                <a:latin typeface="+mj-lt"/>
+              </a:rPr>
+              <a:t>Inicialmente, a regulamentação de créditos de carbono a frotas corporativas visa aprofundar a compreensão sobre a importância de um mundo mais sustentável e relaciona-se diretamente com a redução de danos poluentes à atmosfera. O planeta Terra enfrenta diversos eventos climáticos devido a alguns fatores. Um deles deve - se ao fato de uma crescente no aquecimento global causada pelo aumento de dióxido de carbono (CO2) na atmosfera desde o início da industrialização global, que chegou a registrar uma média de 416,21 partes por milhão (</a:t>
+            </a:r>
+            <a:r>
+              <a:rPr lang="pt-BR" sz="3200" b="0" i="0" u="none" strike="noStrike" dirty="0" err="1">
+                <a:solidFill>
+                  <a:srgbClr val="002060"/>
+                </a:solidFill>
+                <a:effectLst/>
+                <a:latin typeface="+mj-lt"/>
+              </a:rPr>
+              <a:t>ppm</a:t>
+            </a:r>
+            <a:r>
+              <a:rPr lang="pt-BR" sz="3200" b="0" i="0" u="none" strike="noStrike" dirty="0">
+                <a:solidFill>
+                  <a:srgbClr val="002060"/>
+                </a:solidFill>
+                <a:effectLst/>
+                <a:latin typeface="+mj-lt"/>
+              </a:rPr>
+              <a:t>) de CO2 na atmosfera (Administração Nacional Oceânica e Atmosférica dos Estados Unidos).</a:t>
+            </a:r>
+            <a:endParaRPr lang="pt-BR" sz="3200" b="0" dirty="0">
               <a:solidFill>
                 <a:srgbClr val="002060"/>
               </a:solidFill>
+              <a:effectLst/>
               <a:latin typeface="+mj-lt"/>
             </a:endParaRPr>
           </a:p>
           <a:p>
-            <a:pPr algn="ctr">
-              <a:lnSpc>
-                <a:spcPct val="107000"/>
-              </a:lnSpc>
-              <a:spcAft>
-                <a:spcPts val="800"/>
+            <a:pPr indent="457200" algn="just" rtl="0">
+              <a:spcBef>
+                <a:spcPts val="1200"/>
+              </a:spcBef>
+              <a:spcAft>
+                <a:spcPts val="1200"/>
               </a:spcAft>
             </a:pPr>
-            <a:r>
-              <a:rPr lang="pt-BR" sz="4400" dirty="0">
+            <a:br>
+              <a:rPr lang="pt-BR" sz="3200" dirty="0">
                 <a:solidFill>
                   <a:srgbClr val="002060"/>
                 </a:solidFill>
                 <a:latin typeface="+mj-lt"/>
               </a:rPr>
-              <a:t> </a:t>
+            </a:br>
+            <a:r>
+              <a:rPr lang="pt-BR" sz="3200" dirty="0">
+                <a:solidFill>
+                  <a:srgbClr val="002060"/>
+                </a:solidFill>
+                <a:latin typeface="+mj-lt"/>
+              </a:rPr>
+              <a:t>	</a:t>
             </a:r>
             <a:r>
-              <a:rPr lang="pt-BR" sz="4400" kern="100" dirty="0">
+              <a:rPr lang="pt-BR" sz="3200" b="0" i="0" u="none" strike="noStrike" dirty="0">
                 <a:solidFill>
                   <a:srgbClr val="002060"/>
                 </a:solidFill>
-                <a:latin typeface="Calibri" panose="020F0502020204030204" pitchFamily="34" charset="0"/>
-                <a:ea typeface="Calibri" panose="020F0502020204030204" pitchFamily="34" charset="0"/>
-                <a:cs typeface="Times New Roman" panose="02020603050405020304" pitchFamily="18" charset="0"/>
+                <a:effectLst/>
+                <a:latin typeface="+mj-lt"/>
               </a:rPr>
-              <a:t>O aquecimento global vem se tornando um problema cada vez mais relevante, e um causador considerável é o CO² emitido pelos veículos a combustão. Uma das formas de diminuir essa emissão seria através de um programa de incentivo e metas impostas a empresas do ramo de transporte.</a:t>
+              <a:t>Neste contexto, este trabalho explora a importância de implementar regulamentação nos transportes corporativos para redução do dióxido de carbono na atmosfera. Analisou-se que em 1997 houve a 3ª Conferência das Partes das Nações Unidas (COP) realizada em Kyoto, no Japão, onde foi criado o primeiro tratado internacional para controle das emissões dos gases do efeito estufa (GEE) na atmosfera. Estabeleceu - se  uma redução de 5,2% em relação a 1990 no período de 2008 a 2012. Essas metas estabelecidas deveriam ser cumpridas obrigatoriamente pelos países desenvolvidos, tornando-se opcional para os países em desenvolvimento, incluindo o Brasil.</a:t>
             </a:r>
-            <a:endParaRPr lang="pt-BR" sz="4400" dirty="0">
+            <a:endParaRPr lang="pt-BR" sz="3200" b="0" dirty="0">
               <a:solidFill>
                 <a:srgbClr val="002060"/>
               </a:solidFill>
+              <a:effectLst/>
               <a:latin typeface="+mj-lt"/>
             </a:endParaRPr>
           </a:p>
           <a:p>
-            <a:pPr algn="ctr"/>
-            <a:endParaRPr lang="pt-BR" sz="4400" dirty="0">
+            <a:pPr indent="457200" algn="just" rtl="0">
+              <a:spcBef>
+                <a:spcPts val="1200"/>
+              </a:spcBef>
+              <a:spcAft>
+                <a:spcPts val="1200"/>
+              </a:spcAft>
+            </a:pPr>
+            <a:br>
+              <a:rPr lang="pt-BR" sz="3200" dirty="0">
+                <a:solidFill>
+                  <a:srgbClr val="002060"/>
+                </a:solidFill>
+                <a:latin typeface="+mj-lt"/>
+              </a:rPr>
+            </a:br>
+            <a:r>
+              <a:rPr lang="pt-BR" sz="3200" dirty="0">
+                <a:solidFill>
+                  <a:srgbClr val="002060"/>
+                </a:solidFill>
+                <a:latin typeface="+mj-lt"/>
+              </a:rPr>
+              <a:t>	</a:t>
+            </a:r>
+            <a:r>
+              <a:rPr lang="pt-BR" sz="3200" b="0" i="0" u="none" strike="noStrike" dirty="0">
+                <a:solidFill>
+                  <a:srgbClr val="002060"/>
+                </a:solidFill>
+                <a:effectLst/>
+                <a:latin typeface="+mj-lt"/>
+              </a:rPr>
+              <a:t>Além disso, serão examinados estudos de caso relevantes que demonstram como os créditos de carbono, ao serem implementados e regulamentados, impactarão positivamente no desenvolvimento sustentável do país. Por fim, será discutido a viabilidade do projeto, as implicações  éticas e o engajamento da sociedade na adoção do projeto.</a:t>
+            </a:r>
+            <a:endParaRPr lang="pt-BR" sz="3200" b="0" dirty="0">
+              <a:solidFill>
+                <a:srgbClr val="002060"/>
+              </a:solidFill>
+              <a:effectLst/>
+              <a:latin typeface="+mj-lt"/>
+            </a:endParaRPr>
+          </a:p>
+          <a:p>
+            <a:pPr indent="457200" algn="just" rtl="0">
+              <a:spcBef>
+                <a:spcPts val="1200"/>
+              </a:spcBef>
+              <a:spcAft>
+                <a:spcPts val="1200"/>
+              </a:spcAft>
+            </a:pPr>
+            <a:r>
+              <a:rPr lang="pt-BR" sz="3200" b="0" i="0" u="none" strike="noStrike" dirty="0">
+                <a:solidFill>
+                  <a:srgbClr val="002060"/>
+                </a:solidFill>
+                <a:effectLst/>
+                <a:latin typeface="+mj-lt"/>
+              </a:rPr>
+              <a:t>No decorrer deste trabalho, as questões serão abordadas de forma aprofundada visando os créditos de carbono e sua regulamentação, apresentando pesquisas embasadas e propondo alternativas e soluções para um mundo mais sustentável reduzindo dados poluentes.</a:t>
+            </a:r>
+          </a:p>
+          <a:p>
+            <a:pPr indent="457200" algn="just" rtl="0">
+              <a:spcBef>
+                <a:spcPts val="905"/>
+              </a:spcBef>
+              <a:spcAft>
+                <a:spcPts val="0"/>
+              </a:spcAft>
+            </a:pPr>
+            <a:r>
+              <a:rPr lang="pt-BR" sz="3200" b="0" i="0" u="none" strike="noStrike" dirty="0">
+                <a:solidFill>
+                  <a:srgbClr val="002060"/>
+                </a:solidFill>
+                <a:effectLst/>
+                <a:latin typeface="+mj-lt"/>
+              </a:rPr>
+              <a:t>Observa-se no atual cenário, que o mundo vive as temidas variações de clima por conta da poluição atmosférica. O dióxido de carbono (CO2) traz efeitos danosos severos para o planeta terra, e é a partir deste fato que surge o termo sustentabilidade que traz às pessoas  a conscientização da utilização dos recursos naturais.</a:t>
+            </a:r>
+            <a:endParaRPr lang="pt-BR" sz="3200" b="0" dirty="0">
+              <a:solidFill>
+                <a:srgbClr val="002060"/>
+              </a:solidFill>
+              <a:effectLst/>
+              <a:latin typeface="+mj-lt"/>
+            </a:endParaRPr>
+          </a:p>
+          <a:p>
+            <a:pPr indent="457200" algn="just" rtl="0">
+              <a:spcBef>
+                <a:spcPts val="905"/>
+              </a:spcBef>
+              <a:spcAft>
+                <a:spcPts val="0"/>
+              </a:spcAft>
+            </a:pPr>
+            <a:r>
+              <a:rPr lang="pt-BR" sz="3200" b="0" i="0" u="none" strike="noStrike" dirty="0">
+                <a:solidFill>
+                  <a:srgbClr val="002060"/>
+                </a:solidFill>
+                <a:effectLst/>
+                <a:latin typeface="+mj-lt"/>
+              </a:rPr>
+              <a:t>Pensando na inovação e em alternativas para reduzir a propagação do carbono no ar, foi desenvolvido um sistema de fácil utilização que contém todos os cálculos para utilizar de créditos de carbono também para frotas corporativas, que pretende reduzir em x% a poluição pelo carbono na atmosfera.</a:t>
+            </a:r>
+            <a:endParaRPr lang="pt-BR" sz="3200" b="0" dirty="0">
+              <a:solidFill>
+                <a:srgbClr val="002060"/>
+              </a:solidFill>
+              <a:effectLst/>
+              <a:latin typeface="+mj-lt"/>
+            </a:endParaRPr>
+          </a:p>
+          <a:p>
+            <a:pPr indent="457200" algn="just" rtl="0">
+              <a:spcBef>
+                <a:spcPts val="905"/>
+              </a:spcBef>
+              <a:spcAft>
+                <a:spcPts val="0"/>
+              </a:spcAft>
+            </a:pPr>
+            <a:r>
+              <a:rPr lang="pt-BR" sz="3200" b="0" i="0" u="none" strike="noStrike" dirty="0">
+                <a:solidFill>
+                  <a:srgbClr val="002060"/>
+                </a:solidFill>
+                <a:effectLst/>
+                <a:latin typeface="+mj-lt"/>
+              </a:rPr>
+              <a:t>O intuito é que se tenha um olhar mais efetivo e uma regulamentação de frotas corporativas privadas para aderir ao plano de créditos de carbono e buscar meios de tornar o mundo mais sustentável, reduzindo o quadro de poluição atmosférica.</a:t>
+            </a:r>
+            <a:endParaRPr lang="pt-BR" sz="3200" b="0" dirty="0">
+              <a:solidFill>
+                <a:srgbClr val="002060"/>
+              </a:solidFill>
+              <a:effectLst/>
+              <a:latin typeface="+mj-lt"/>
+            </a:endParaRPr>
+          </a:p>
+          <a:p>
+            <a:endParaRPr lang="pt-BR" sz="3200" dirty="0">
               <a:solidFill>
                 <a:srgbClr val="002060"/>
               </a:solidFill>
@@ -13272,7 +13462,7 @@
           <a:p>
             <a:pPr algn="ctr"/>
             <a:r>
-              <a:rPr lang="pt-BR" sz="4400" b="1" dirty="0">
+              <a:rPr lang="pt-BR" sz="3200" b="1" dirty="0">
                 <a:solidFill>
                   <a:srgbClr val="002060"/>
                 </a:solidFill>
@@ -13283,50 +13473,76 @@
           </a:p>
           <a:p>
             <a:pPr algn="ctr"/>
-            <a:endParaRPr lang="pt-BR" sz="4400" dirty="0">
+            <a:endParaRPr lang="pt-BR" sz="3200" dirty="0">
               <a:solidFill>
-                <a:schemeClr val="tx1">
-                  <a:lumMod val="50000"/>
-                </a:schemeClr>
+                <a:srgbClr val="002060"/>
               </a:solidFill>
-              <a:latin typeface="Calibri" panose="020F0502020204030204" pitchFamily="34" charset="0"/>
+              <a:latin typeface="+mj-lt"/>
+              <a:ea typeface="Calibri" panose="020F0502020204030204" pitchFamily="34" charset="0"/>
+              <a:cs typeface="Calibri" panose="020F0502020204030204" pitchFamily="34" charset="0"/>
+            </a:endParaRPr>
+          </a:p>
+          <a:p>
+            <a:pPr algn="just"/>
+            <a:r>
+              <a:rPr lang="pt-BR" sz="3200" i="0" dirty="0">
+                <a:solidFill>
+                  <a:srgbClr val="002060"/>
+                </a:solidFill>
+                <a:effectLst/>
+                <a:latin typeface="+mj-lt"/>
+                <a:ea typeface="Calibri" panose="020F0502020204030204" pitchFamily="34" charset="0"/>
+                <a:cs typeface="Calibri" panose="020F0502020204030204" pitchFamily="34" charset="0"/>
+              </a:rPr>
+              <a:t>	O transporte público urbano de São Paulo, em sua grande maioria, é operado por empresas terceirizadas, que mantêm cerca de 12 mil ônibus circulando diariamente. A implementação de metas de redução, com prazos definidos, é uma estratégia para combater as emissões de CO². Empresas que não conseguirem atingir essas metas teriam a opção de compensar suas emissões por meio de incentivos, como créditos de carbono. Esse método já é adotado por diversas empresas de forma voluntária e tem mostrado um enorme sucesso.</a:t>
+            </a:r>
+          </a:p>
+          <a:p>
+            <a:pPr algn="just"/>
+            <a:r>
+              <a:rPr lang="pt-BR" sz="3200" i="0" dirty="0">
+                <a:solidFill>
+                  <a:srgbClr val="002060"/>
+                </a:solidFill>
+                <a:effectLst/>
+                <a:latin typeface="+mj-lt"/>
+                <a:ea typeface="Calibri" panose="020F0502020204030204" pitchFamily="34" charset="0"/>
+                <a:cs typeface="Calibri" panose="020F0502020204030204" pitchFamily="34" charset="0"/>
+              </a:rPr>
+              <a:t>Propomos a criação de um programa que permita às empresas de transporte calcular suas emissões e, a partir desses dados, estabelecer metas específicas para redução de forma regulamentada.</a:t>
+            </a:r>
+          </a:p>
+          <a:p>
+            <a:pPr algn="just"/>
+            <a:endParaRPr lang="pt-BR" sz="3200" dirty="0">
+              <a:solidFill>
+                <a:srgbClr val="000066"/>
+              </a:solidFill>
+            </a:endParaRPr>
+          </a:p>
+          <a:p>
+            <a:pPr algn="just"/>
+            <a:r>
+              <a:rPr lang="pt-BR" sz="3200" dirty="0">
+                <a:solidFill>
+                  <a:srgbClr val="000066"/>
+                </a:solidFill>
+              </a:rPr>
+              <a:t>Palavras-chave: Carbono, créditos, mobilidade, regulamentação, sustentabilidade.</a:t>
+            </a:r>
+            <a:endParaRPr lang="pt-BR" sz="3200" i="0" dirty="0">
+              <a:solidFill>
+                <a:srgbClr val="002060"/>
+              </a:solidFill>
+              <a:effectLst/>
+              <a:latin typeface="+mj-lt"/>
               <a:ea typeface="Calibri" panose="020F0502020204030204" pitchFamily="34" charset="0"/>
               <a:cs typeface="Calibri" panose="020F0502020204030204" pitchFamily="34" charset="0"/>
             </a:endParaRPr>
           </a:p>
           <a:p>
             <a:pPr algn="ctr"/>
-            <a:r>
-              <a:rPr lang="pt-BR" sz="4400" i="0" dirty="0">
-                <a:solidFill>
-                  <a:srgbClr val="002060"/>
-                </a:solidFill>
-                <a:effectLst/>
-                <a:latin typeface="Calibri" panose="020F0502020204030204" pitchFamily="34" charset="0"/>
-                <a:ea typeface="Calibri" panose="020F0502020204030204" pitchFamily="34" charset="0"/>
-                <a:cs typeface="Calibri" panose="020F0502020204030204" pitchFamily="34" charset="0"/>
-              </a:rPr>
-              <a:t>O transporte público urbano de São Paulo, em sua grande maioria, é operado por empresas terceirizadas, que mantêm cerca de 12 mil ônibus circulando diariamente. A implementação de metas de redução, com prazos definidos, é uma estratégia para combater as emissões de CO². Empresas que não conseguirem atingir essas metas teriam a opção de compensar suas emissões por meio de incentivos, como créditos de carbono. Esse método já é adotado por diversas empresas de forma voluntária e tem mostrado um enorme sucesso.</a:t>
-            </a:r>
-          </a:p>
-          <a:p>
-            <a:pPr algn="ctr"/>
-            <a:r>
-              <a:rPr lang="pt-BR" sz="4400" i="0" dirty="0">
-                <a:solidFill>
-                  <a:srgbClr val="002060"/>
-                </a:solidFill>
-                <a:effectLst/>
-                <a:latin typeface="Calibri" panose="020F0502020204030204" pitchFamily="34" charset="0"/>
-                <a:ea typeface="Calibri" panose="020F0502020204030204" pitchFamily="34" charset="0"/>
-                <a:cs typeface="Calibri" panose="020F0502020204030204" pitchFamily="34" charset="0"/>
-              </a:rPr>
-              <a:t>Propomos a criação de um programa que permita às empresas de transporte calcular suas emissões e, a partir desses dados, estabelecer metas específicas para redução.</a:t>
-            </a:r>
-          </a:p>
-          <a:p>
-            <a:pPr algn="ctr"/>
-            <a:endParaRPr lang="pt-BR" sz="4400" dirty="0">
+            <a:endParaRPr lang="pt-BR" sz="3200" dirty="0">
               <a:solidFill>
                 <a:srgbClr val="002060"/>
               </a:solidFill>
@@ -13336,34 +13552,13 @@
           <a:p>
             <a:pPr algn="ctr"/>
             <a:r>
-              <a:rPr lang="pt-BR" sz="4400" b="1" dirty="0">
+              <a:rPr lang="pt-BR" sz="3200" dirty="0">
                 <a:solidFill>
                   <a:srgbClr val="002060"/>
                 </a:solidFill>
                 <a:latin typeface="+mj-lt"/>
               </a:rPr>
-              <a:t>Conclusão </a:t>
-            </a:r>
-          </a:p>
-          <a:p>
-            <a:pPr algn="ctr"/>
-            <a:endParaRPr lang="pt-BR" sz="4400" b="1" dirty="0">
-              <a:solidFill>
-                <a:srgbClr val="002060"/>
-              </a:solidFill>
-              <a:latin typeface="+mj-lt"/>
-            </a:endParaRPr>
-          </a:p>
-          <a:p>
-            <a:pPr algn="ctr"/>
-            <a:r>
-              <a:rPr lang="pt-BR" sz="4400" dirty="0">
-                <a:solidFill>
-                  <a:srgbClr val="002060"/>
-                </a:solidFill>
-                <a:latin typeface="+mj-lt"/>
-              </a:rPr>
-              <a:t>Através deste programa vimos que a regulamentação e implementação de um sistema de créditos de carbono em empresas do seguimento de transporte urbano é uma forma viável de reduzir as emissões dos Gases do Efeito Estufa (GEE) em grandes metrópoles. Podendo futuramente ser ampliado para outros setores da sociedade. </a:t>
+              <a:t>. </a:t>
             </a:r>
           </a:p>
         </p:txBody>
@@ -13534,49 +13729,6 @@
                 <a:sym typeface="Arial"/>
               </a:rPr>
               <a:t>Tecnologia</a:t>
-            </a:r>
-            <a:endParaRPr dirty="0"/>
-          </a:p>
-        </p:txBody>
-      </p:sp>
-      <p:sp>
-        <p:nvSpPr>
-          <p:cNvPr id="98" name="Google Shape;98;p1"/>
-          <p:cNvSpPr txBox="1"/>
-          <p:nvPr/>
-        </p:nvSpPr>
-        <p:spPr>
-          <a:xfrm>
-            <a:off x="1497559" y="37718194"/>
-            <a:ext cx="13406438" cy="1380562"/>
-          </a:xfrm>
-          <a:prstGeom prst="rect">
-            <a:avLst/>
-          </a:prstGeom>
-          <a:noFill/>
-          <a:ln>
-            <a:noFill/>
-          </a:ln>
-        </p:spPr>
-        <p:txBody>
-          <a:bodyPr spcFirstLastPara="1" wrap="square" lIns="87075" tIns="43525" rIns="87075" bIns="43525" anchor="t" anchorCtr="0">
-            <a:spAutoFit/>
-          </a:bodyPr>
-          <a:lstStyle/>
-          <a:p>
-            <a:pPr lvl="0">
-              <a:buClr>
-                <a:schemeClr val="dk1"/>
-              </a:buClr>
-              <a:buSzPts val="5100"/>
-            </a:pPr>
-            <a:r>
-              <a:rPr lang="pt-BR" sz="4200" dirty="0">
-                <a:solidFill>
-                  <a:srgbClr val="000066"/>
-                </a:solidFill>
-              </a:rPr>
-              <a:t>Palavra-chave: carbono, credito, mobilidade, regulamentação, sustentabilidade.</a:t>
             </a:r>
             <a:endParaRPr dirty="0"/>
           </a:p>
@@ -13716,94 +13868,12 @@
           </a:p>
         </p:txBody>
       </p:sp>
-      <p:pic>
-        <p:nvPicPr>
-          <p:cNvPr id="3" name="Imagem 2">
+      <p:sp>
+        <p:nvSpPr>
+          <p:cNvPr id="2" name="CaixaDeTexto 1">
             <a:extLst>
               <a:ext uri="{FF2B5EF4-FFF2-40B4-BE49-F238E27FC236}">
-                <a16:creationId xmlns:a16="http://schemas.microsoft.com/office/drawing/2014/main" id="{86DB4AD1-3196-28F2-3A43-93DE929B6382}"/>
-              </a:ext>
-            </a:extLst>
-          </p:cNvPr>
-          <p:cNvPicPr>
-            <a:picLocks noChangeAspect="1"/>
-          </p:cNvPicPr>
-          <p:nvPr/>
-        </p:nvPicPr>
-        <p:blipFill>
-          <a:blip r:embed="rId5" cstate="print">
-            <a:extLst>
-              <a:ext uri="{28A0092B-C50C-407E-A947-70E740481C1C}">
-                <a14:useLocalDpi xmlns:a14="http://schemas.microsoft.com/office/drawing/2010/main" val="0"/>
-              </a:ext>
-            </a:extLst>
-          </a:blip>
-          <a:srcRect/>
-          <a:stretch>
-            <a:fillRect/>
-          </a:stretch>
-        </p:blipFill>
-        <p:spPr bwMode="auto">
-          <a:xfrm>
-            <a:off x="17830800" y="18859500"/>
-            <a:ext cx="12743640" cy="8880096"/>
-          </a:xfrm>
-          <a:prstGeom prst="rect">
-            <a:avLst/>
-          </a:prstGeom>
-          <a:noFill/>
-          <a:ln>
-            <a:noFill/>
-          </a:ln>
-        </p:spPr>
-      </p:pic>
-      <p:pic>
-        <p:nvPicPr>
-          <p:cNvPr id="4" name="Imagem 3">
-            <a:extLst>
-              <a:ext uri="{FF2B5EF4-FFF2-40B4-BE49-F238E27FC236}">
-                <a16:creationId xmlns:a16="http://schemas.microsoft.com/office/drawing/2014/main" id="{86A42DC1-2591-04C2-FFDB-6A78AC509C28}"/>
-              </a:ext>
-            </a:extLst>
-          </p:cNvPr>
-          <p:cNvPicPr>
-            <a:picLocks noChangeAspect="1"/>
-          </p:cNvPicPr>
-          <p:nvPr/>
-        </p:nvPicPr>
-        <p:blipFill>
-          <a:blip r:embed="rId6">
-            <a:extLst>
-              <a:ext uri="{28A0092B-C50C-407E-A947-70E740481C1C}">
-                <a14:useLocalDpi xmlns:a14="http://schemas.microsoft.com/office/drawing/2010/main" val="0"/>
-              </a:ext>
-            </a:extLst>
-          </a:blip>
-          <a:srcRect/>
-          <a:stretch>
-            <a:fillRect/>
-          </a:stretch>
-        </p:blipFill>
-        <p:spPr bwMode="auto">
-          <a:xfrm>
-            <a:off x="17830800" y="9374984"/>
-            <a:ext cx="12743640" cy="8550238"/>
-          </a:xfrm>
-          <a:prstGeom prst="rect">
-            <a:avLst/>
-          </a:prstGeom>
-          <a:noFill/>
-          <a:ln>
-            <a:noFill/>
-          </a:ln>
-        </p:spPr>
-      </p:pic>
-      <p:sp>
-        <p:nvSpPr>
-          <p:cNvPr id="5" name="CaixaDeTexto 4">
-            <a:extLst>
-              <a:ext uri="{FF2B5EF4-FFF2-40B4-BE49-F238E27FC236}">
-                <a16:creationId xmlns:a16="http://schemas.microsoft.com/office/drawing/2014/main" id="{30500272-766B-FC0D-A907-B47B0F79C652}"/>
+                <a16:creationId xmlns:a16="http://schemas.microsoft.com/office/drawing/2014/main" id="{BEF05E0D-AD90-5BC9-BDEB-B88209B43994}"/>
               </a:ext>
             </a:extLst>
           </p:cNvPr>
@@ -13812,8 +13882,8 @@
         </p:nvSpPr>
         <p:spPr>
           <a:xfrm>
-            <a:off x="17593367" y="17925222"/>
-            <a:ext cx="13218505" cy="707886"/>
+            <a:off x="18520836" y="35689224"/>
+            <a:ext cx="12701062" cy="3108543"/>
           </a:xfrm>
           <a:prstGeom prst="rect">
             <a:avLst/>
@@ -13828,45 +13898,183 @@
           <a:p>
             <a:pPr algn="ctr"/>
             <a:r>
-              <a:rPr lang="pt-BR" sz="2000" dirty="0"/>
-              <a:t>Representação gráfica do aumento das partes por milhão (</a:t>
-            </a:r>
-            <a:r>
-              <a:rPr lang="pt-BR" sz="2000" dirty="0" err="1"/>
-              <a:t>ppm</a:t>
-            </a:r>
-            <a:r>
-              <a:rPr lang="pt-BR" sz="2000" dirty="0"/>
-              <a:t>) de CO² na atmosfera.</a:t>
+              <a:rPr lang="pt-BR" sz="2800" b="1" dirty="0">
+                <a:solidFill>
+                  <a:srgbClr val="002060"/>
+                </a:solidFill>
+                <a:latin typeface="+mj-lt"/>
+              </a:rPr>
+              <a:t>Conclusão </a:t>
             </a:r>
           </a:p>
           <a:p>
             <a:pPr algn="ctr"/>
+            <a:endParaRPr lang="pt-BR" sz="2800" b="1" dirty="0">
+              <a:solidFill>
+                <a:srgbClr val="002060"/>
+              </a:solidFill>
+              <a:latin typeface="+mj-lt"/>
+            </a:endParaRPr>
+          </a:p>
+          <a:p>
+            <a:pPr algn="just"/>
             <a:r>
-              <a:rPr lang="pt-BR" sz="2000" dirty="0"/>
-              <a:t>(</a:t>
+              <a:rPr lang="pt-BR" sz="2800" dirty="0">
+                <a:solidFill>
+                  <a:srgbClr val="002060"/>
+                </a:solidFill>
+                <a:latin typeface="+mj-lt"/>
+              </a:rPr>
+              <a:t>	Através deste programa vimos que a regulamentação e implementação de um sistema de créditos de carbono em empresas do seguimento de transporte urbano é uma forma viável de reduzir as emissões dos Gases do Efeito Estufa (GEE) em grandes metrópoles. Podendo futuramente ser ampliado para outros setores da sociedade</a:t>
             </a:r>
+            <a:endParaRPr lang="pt-BR" sz="2800" dirty="0"/>
+          </a:p>
+        </p:txBody>
+      </p:sp>
+      <p:pic>
+        <p:nvPicPr>
+          <p:cNvPr id="9" name="Imagem 8" descr="Texto">
+            <a:extLst>
+              <a:ext uri="{FF2B5EF4-FFF2-40B4-BE49-F238E27FC236}">
+                <a16:creationId xmlns:a16="http://schemas.microsoft.com/office/drawing/2014/main" id="{D16F73C5-748D-0D66-64C5-68A9DFA46AF5}"/>
+              </a:ext>
+            </a:extLst>
+          </p:cNvPr>
+          <p:cNvPicPr>
+            <a:picLocks noChangeAspect="1"/>
+          </p:cNvPicPr>
+          <p:nvPr/>
+        </p:nvPicPr>
+        <p:blipFill>
+          <a:blip r:embed="rId5"/>
+          <a:stretch>
+            <a:fillRect/>
+          </a:stretch>
+        </p:blipFill>
+        <p:spPr>
+          <a:xfrm>
+            <a:off x="20639331" y="8493723"/>
+            <a:ext cx="7782882" cy="10876732"/>
+          </a:xfrm>
+          <a:prstGeom prst="rect">
+            <a:avLst/>
+          </a:prstGeom>
+        </p:spPr>
+      </p:pic>
+      <p:pic>
+        <p:nvPicPr>
+          <p:cNvPr id="11" name="Imagem 10" descr="Texto&#10;&#10;Descrição gerada automaticamente">
+            <a:extLst>
+              <a:ext uri="{FF2B5EF4-FFF2-40B4-BE49-F238E27FC236}">
+                <a16:creationId xmlns:a16="http://schemas.microsoft.com/office/drawing/2014/main" id="{E30CB038-EF6E-774C-D43E-614E5D84B9D7}"/>
+              </a:ext>
+            </a:extLst>
+          </p:cNvPr>
+          <p:cNvPicPr>
+            <a:picLocks noChangeAspect="1"/>
+          </p:cNvPicPr>
+          <p:nvPr/>
+        </p:nvPicPr>
+        <p:blipFill>
+          <a:blip r:embed="rId6"/>
+          <a:stretch>
+            <a:fillRect/>
+          </a:stretch>
+        </p:blipFill>
+        <p:spPr>
+          <a:xfrm>
+            <a:off x="20681327" y="20388162"/>
+            <a:ext cx="7698890" cy="6503078"/>
+          </a:xfrm>
+          <a:prstGeom prst="rect">
+            <a:avLst/>
+          </a:prstGeom>
+        </p:spPr>
+      </p:pic>
+      <p:sp>
+        <p:nvSpPr>
+          <p:cNvPr id="12" name="CaixaDeTexto 11">
+            <a:extLst>
+              <a:ext uri="{FF2B5EF4-FFF2-40B4-BE49-F238E27FC236}">
+                <a16:creationId xmlns:a16="http://schemas.microsoft.com/office/drawing/2014/main" id="{5F020522-30A5-6AB0-FF89-FC6F7E05736B}"/>
+              </a:ext>
+            </a:extLst>
+          </p:cNvPr>
+          <p:cNvSpPr txBox="1"/>
+          <p:nvPr/>
+        </p:nvSpPr>
+        <p:spPr>
+          <a:xfrm>
+            <a:off x="20681326" y="19490631"/>
+            <a:ext cx="7782882" cy="523220"/>
+          </a:xfrm>
+          <a:prstGeom prst="rect">
+            <a:avLst/>
+          </a:prstGeom>
+          <a:noFill/>
+        </p:spPr>
+        <p:txBody>
+          <a:bodyPr wrap="square" rtlCol="0">
+            <a:spAutoFit/>
+          </a:bodyPr>
+          <a:lstStyle/>
+          <a:p>
             <a:r>
-              <a:rPr lang="pt-BR" sz="2000" dirty="0">
-                <a:effectLst/>
-                <a:latin typeface="Arial" panose="020B0604020202020204" pitchFamily="34" charset="0"/>
-                <a:ea typeface="Calibri" panose="020F0502020204030204" pitchFamily="34" charset="0"/>
+              <a:rPr lang="pt-BR" sz="2800" dirty="0">
+                <a:solidFill>
+                  <a:srgbClr val="002060"/>
+                </a:solidFill>
               </a:rPr>
-              <a:t>Administração Nacional Oceânica e Atmosférica dos Estados Unidos</a:t>
+              <a:t>Figura 1 - Código - Fonte</a:t>
             </a:r>
+          </a:p>
+        </p:txBody>
+      </p:sp>
+      <p:sp>
+        <p:nvSpPr>
+          <p:cNvPr id="13" name="CaixaDeTexto 12">
+            <a:extLst>
+              <a:ext uri="{FF2B5EF4-FFF2-40B4-BE49-F238E27FC236}">
+                <a16:creationId xmlns:a16="http://schemas.microsoft.com/office/drawing/2014/main" id="{A53C72A2-5C0F-A956-B6F7-9008D39A8FE0}"/>
+              </a:ext>
+            </a:extLst>
+          </p:cNvPr>
+          <p:cNvSpPr txBox="1"/>
+          <p:nvPr/>
+        </p:nvSpPr>
+        <p:spPr>
+          <a:xfrm>
+            <a:off x="20639331" y="26968961"/>
+            <a:ext cx="7740886" cy="523220"/>
+          </a:xfrm>
+          <a:prstGeom prst="rect">
+            <a:avLst/>
+          </a:prstGeom>
+          <a:noFill/>
+        </p:spPr>
+        <p:txBody>
+          <a:bodyPr wrap="square" rtlCol="0">
+            <a:spAutoFit/>
+          </a:bodyPr>
+          <a:lstStyle/>
+          <a:p>
             <a:r>
-              <a:rPr lang="pt-BR" sz="2000" dirty="0"/>
-              <a:t>)</a:t>
+              <a:rPr lang="pt-BR" sz="2800" dirty="0">
+                <a:solidFill>
+                  <a:srgbClr val="002060"/>
+                </a:solidFill>
+              </a:rPr>
+              <a:t>Figura 2 - Programa em funcionamento</a:t>
             </a:r>
           </a:p>
         </p:txBody>
       </p:sp>
       <p:pic>
         <p:nvPicPr>
-          <p:cNvPr id="7" name="Imagem 6">
+          <p:cNvPr id="15" name="Imagem 14" descr="Gráfico, Gráfico de linhas&#10;&#10;Descrição gerada automaticamente">
             <a:extLst>
               <a:ext uri="{FF2B5EF4-FFF2-40B4-BE49-F238E27FC236}">
-                <a16:creationId xmlns:a16="http://schemas.microsoft.com/office/drawing/2014/main" id="{575B0D18-89A5-0590-E90B-0C4F984C3640}"/>
+                <a16:creationId xmlns:a16="http://schemas.microsoft.com/office/drawing/2014/main" id="{8C9365DD-82C5-DD12-E6D5-9BA724C5B133}"/>
               </a:ext>
             </a:extLst>
           </p:cNvPr>
@@ -13883,14 +14091,89 @@
         </p:blipFill>
         <p:spPr>
           <a:xfrm>
-            <a:off x="17830801" y="28579104"/>
-            <a:ext cx="12743640" cy="8240736"/>
+            <a:off x="19419227" y="28135577"/>
+            <a:ext cx="10223090" cy="5951300"/>
           </a:xfrm>
           <a:prstGeom prst="rect">
             <a:avLst/>
           </a:prstGeom>
         </p:spPr>
       </p:pic>
+      <p:sp>
+        <p:nvSpPr>
+          <p:cNvPr id="16" name="CaixaDeTexto 15">
+            <a:extLst>
+              <a:ext uri="{FF2B5EF4-FFF2-40B4-BE49-F238E27FC236}">
+                <a16:creationId xmlns:a16="http://schemas.microsoft.com/office/drawing/2014/main" id="{3DE93ABD-BCD4-B661-E4C9-586EC4D34869}"/>
+              </a:ext>
+            </a:extLst>
+          </p:cNvPr>
+          <p:cNvSpPr txBox="1"/>
+          <p:nvPr/>
+        </p:nvSpPr>
+        <p:spPr>
+          <a:xfrm>
+            <a:off x="19419228" y="34271367"/>
+            <a:ext cx="10223089" cy="1384995"/>
+          </a:xfrm>
+          <a:prstGeom prst="rect">
+            <a:avLst/>
+          </a:prstGeom>
+          <a:noFill/>
+        </p:spPr>
+        <p:txBody>
+          <a:bodyPr wrap="square" rtlCol="0">
+            <a:spAutoFit/>
+          </a:bodyPr>
+          <a:lstStyle/>
+          <a:p>
+            <a:pPr algn="just"/>
+            <a:r>
+              <a:rPr lang="pt-BR" sz="2800" b="0" i="1" dirty="0">
+                <a:solidFill>
+                  <a:srgbClr val="002060"/>
+                </a:solidFill>
+                <a:effectLst/>
+                <a:latin typeface="+mj-lt"/>
+              </a:rPr>
+              <a:t>Figura 3 - Tendência na concentração atmosférica de CO2. Dados do NOAA, gráficos da </a:t>
+            </a:r>
+            <a:r>
+              <a:rPr lang="pt-BR" sz="2800" b="0" i="1" u="none" strike="noStrike" dirty="0">
+                <a:solidFill>
+                  <a:srgbClr val="002060"/>
+                </a:solidFill>
+                <a:effectLst/>
+                <a:latin typeface="+mj-lt"/>
+                <a:hlinkClick r:id="rId8">
+                  <a:extLst>
+                    <a:ext uri="{A12FA001-AC4F-418D-AE19-62706E023703}">
+                      <ahyp:hlinkClr xmlns:ahyp="http://schemas.microsoft.com/office/drawing/2018/hyperlinkcolor" val="tx"/>
+                    </a:ext>
+                  </a:extLst>
+                </a:hlinkClick>
+              </a:rPr>
+              <a:t>Sala Mundial de Situação Ambiental</a:t>
+            </a:r>
+            <a:r>
+              <a:rPr lang="pt-BR" sz="2800" b="0" i="1" dirty="0">
+                <a:solidFill>
+                  <a:srgbClr val="002060"/>
+                </a:solidFill>
+                <a:effectLst/>
+                <a:latin typeface="+mj-lt"/>
+              </a:rPr>
+              <a:t> do PNUMA.</a:t>
+            </a:r>
+            <a:endParaRPr lang="pt-BR" sz="2800" dirty="0">
+              <a:solidFill>
+                <a:srgbClr val="002060"/>
+              </a:solidFill>
+              <a:latin typeface="+mj-lt"/>
+            </a:endParaRPr>
+          </a:p>
+        </p:txBody>
+      </p:sp>
     </p:spTree>
   </p:cSld>
   <p:clrMapOvr>

--- a/Banner IC Unip azul 2023_APS.pptx
+++ b/Banner IC Unip azul 2023_APS.pptx
@@ -271,7 +271,7 @@
       </p15:notesGuideLst>
     </p:ext>
     <p:ext uri="GoogleSlidesCustomDataVersion2">
-      <go:slidesCustomData xmlns:mc="http://schemas.openxmlformats.org/markup-compatibility/2006" xmlns:mv="urn:schemas-microsoft-com:mac:vml" xmlns:c="http://schemas.openxmlformats.org/drawingml/2006/chart" xmlns:dgm="http://schemas.openxmlformats.org/drawingml/2006/diagram" xmlns:o="urn:schemas-microsoft-com:office:office" xmlns:v="urn:schemas-microsoft-com:vml" xmlns:pvml="urn:schemas-microsoft-com:office:powerpoint" xmlns:com="http://schemas.openxmlformats.org/drawingml/2006/compatibility" xmlns:p14="http://schemas.microsoft.com/office/powerpoint/2010/main" xmlns:p15="http://schemas.microsoft.com/office/powerpoint/2012/main" xmlns:ahyp="http://schemas.microsoft.com/office/drawing/2018/hyperlinkcolor" xmlns:go="http://customooxmlschemas.google.com/" xmlns="" r:id="rId8" roundtripDataSignature="AMtx7mh6aZjlcpVUQjRpVVEJE6phjuHeAg=="/>
+      <go:slidesCustomData xmlns="" xmlns:go="http://customooxmlschemas.google.com/" xmlns:ahyp="http://schemas.microsoft.com/office/drawing/2018/hyperlinkcolor" xmlns:p15="http://schemas.microsoft.com/office/powerpoint/2012/main" xmlns:p14="http://schemas.microsoft.com/office/powerpoint/2010/main" xmlns:com="http://schemas.openxmlformats.org/drawingml/2006/compatibility" xmlns:pvml="urn:schemas-microsoft-com:office:powerpoint" xmlns:v="urn:schemas-microsoft-com:vml" xmlns:o="urn:schemas-microsoft-com:office:office" xmlns:dgm="http://schemas.openxmlformats.org/drawingml/2006/diagram" xmlns:c="http://schemas.openxmlformats.org/drawingml/2006/chart" xmlns:mv="urn:schemas-microsoft-com:mac:vml" xmlns:mc="http://schemas.openxmlformats.org/markup-compatibility/2006" r:id="rId8" roundtripDataSignature="AMtx7mh6aZjlcpVUQjRpVVEJE6phjuHeAg=="/>
     </p:ext>
   </p:extLst>
 </p:presentation>
@@ -13113,7 +13113,7 @@
         <p:spPr>
           <a:xfrm>
             <a:off x="256145" y="3451236"/>
-            <a:ext cx="30621300" cy="1114902"/>
+            <a:ext cx="30621300" cy="2084399"/>
           </a:xfrm>
           <a:prstGeom prst="rect">
             <a:avLst/>
@@ -13152,28 +13152,12 @@
               <a:buNone/>
             </a:pPr>
             <a:r>
-              <a:rPr lang="en-US" sz="6300" b="1" dirty="0" err="1">
+              <a:rPr lang="en-US" sz="6300" b="1" dirty="0">
                 <a:solidFill>
                   <a:srgbClr val="000066"/>
                 </a:solidFill>
               </a:rPr>
-              <a:t>Mobilidade</a:t>
-            </a:r>
-            <a:r>
-              <a:rPr lang="en-US" sz="6300" b="1" dirty="0">
-                <a:solidFill>
-                  <a:srgbClr val="000066"/>
-                </a:solidFill>
-              </a:rPr>
-              <a:t> </a:t>
-            </a:r>
-            <a:r>
-              <a:rPr lang="en-US" sz="6300" b="1" dirty="0" err="1">
-                <a:solidFill>
-                  <a:srgbClr val="000066"/>
-                </a:solidFill>
-              </a:rPr>
-              <a:t>Sustentável</a:t>
+              <a:t>REGULAMENTAÇÃO E IMPLEMETAÇÃO DO CRÉDITO DE CARBONO NACIONAL</a:t>
             </a:r>
             <a:endParaRPr dirty="0"/>
           </a:p>
@@ -13188,7 +13172,7 @@
         <p:spPr>
           <a:xfrm>
             <a:off x="827031" y="8488491"/>
-            <a:ext cx="16325324" cy="30584508"/>
+            <a:ext cx="16325324" cy="30284426"/>
           </a:xfrm>
           <a:prstGeom prst="rect">
             <a:avLst/>
@@ -13232,7 +13216,26 @@
                 <a:effectLst/>
                 <a:latin typeface="+mj-lt"/>
               </a:rPr>
-              <a:t>Inicialmente, a regulamentação de créditos de carbono a frotas corporativas visa aprofundar a compreensão sobre a importância de um mundo mais sustentável e relaciona-se diretamente com a redução de danos poluentes à atmosfera. O planeta Terra enfrenta diversos eventos climáticos devido a alguns fatores. Um deles deve - se ao fato de uma crescente no aquecimento global causada pelo aumento de dióxido de carbono (CO2) na atmosfera desde o início da industrialização global, que chegou a registrar uma média de 416,21 partes por milhão (</a:t>
+              <a:t>Este trabalho trás o objetivo de amenizar as crescentes variações climáticas </a:t>
+            </a:r>
+            <a:r>
+              <a:rPr lang="pt-BR" sz="3200" dirty="0">
+                <a:solidFill>
+                  <a:srgbClr val="002060"/>
+                </a:solidFill>
+                <a:latin typeface="+mj-lt"/>
+              </a:rPr>
+              <a:t>causadas em partes pela industrialização e o aumento da queima de combustíveis fosseis responsáveis pela emissão do Dióxido de Carbono (CO²) que </a:t>
+            </a:r>
+            <a:r>
+              <a:rPr lang="pt-BR" sz="3200" b="0" i="0" u="none" strike="noStrike" dirty="0">
+                <a:solidFill>
+                  <a:srgbClr val="002060"/>
+                </a:solidFill>
+                <a:effectLst/>
+                <a:latin typeface="+mj-lt"/>
+              </a:rPr>
+              <a:t>desde de o início da industrialização global, chegou a registrar uma média de 416,21 partes por milhão (</a:t>
             </a:r>
             <a:r>
               <a:rPr lang="pt-BR" sz="3200" b="0" i="0" u="none" strike="noStrike" dirty="0" err="1">
@@ -13296,7 +13299,106 @@
                 <a:effectLst/>
                 <a:latin typeface="+mj-lt"/>
               </a:rPr>
-              <a:t>Neste contexto, este trabalho explora a importância de implementar regulamentação nos transportes corporativos para redução do dióxido de carbono na atmosfera. Analisou-se que em 1997 houve a 3ª Conferência das Partes das Nações Unidas (COP) realizada em Kyoto, no Japão, onde foi criado o primeiro tratado internacional para controle das emissões dos gases do efeito estufa (GEE) na atmosfera. Estabeleceu - se  uma redução de 5,2% em relação a 1990 no período de 2008 a 2012. Essas metas estabelecidas deveriam ser cumpridas obrigatoriamente pelos países desenvolvidos, tornando-se opcional para os países em desenvolvimento, incluindo o Brasil.</a:t>
+              <a:t>Neste contexto, este trabalho explora a possibilidade e a importância de implementar a regulamentação nos transportes corporativos para redução do CO² na atmosfera</a:t>
+            </a:r>
+            <a:r>
+              <a:rPr lang="pt-BR" sz="3200" dirty="0">
+                <a:solidFill>
+                  <a:srgbClr val="002060"/>
+                </a:solidFill>
+                <a:latin typeface="+mj-lt"/>
+              </a:rPr>
+              <a:t> tendo como base</a:t>
+            </a:r>
+            <a:r>
+              <a:rPr lang="pt-BR" sz="3200" b="0" i="0" u="none" strike="noStrike" dirty="0">
+                <a:solidFill>
+                  <a:srgbClr val="002060"/>
+                </a:solidFill>
+                <a:effectLst/>
+                <a:latin typeface="+mj-lt"/>
+              </a:rPr>
+              <a:t> a 3ª Conferência das Partes das Nações Unidas (COP) realizada em Kyoto, no Japão em 1977, onde foi criado o primeiro tratado internacional para controle das emissões dos gases do efeito estufa (GEE) na atmosfera</a:t>
+            </a:r>
+            <a:r>
+              <a:rPr lang="pt-BR" sz="3200" dirty="0">
+                <a:solidFill>
+                  <a:srgbClr val="002060"/>
+                </a:solidFill>
+                <a:latin typeface="+mj-lt"/>
+              </a:rPr>
+              <a:t> que e</a:t>
+            </a:r>
+            <a:r>
+              <a:rPr lang="pt-BR" sz="3200" b="0" i="0" u="none" strike="noStrike" dirty="0">
+                <a:solidFill>
+                  <a:srgbClr val="002060"/>
+                </a:solidFill>
+                <a:effectLst/>
+                <a:latin typeface="+mj-lt"/>
+              </a:rPr>
+              <a:t>stabeleceu - se para os países  signatários uma  meta para redução de 5,2% em relação a 1990 no período de 2008 a 2012. Essas metas estabelecidas deveriam ser cumpridas obrigatoriamente pelos países desenvolvidos, tornando-se opcional para os países em desenvolvimento, incluindo o Brasil. </a:t>
+            </a:r>
+          </a:p>
+          <a:p>
+            <a:pPr indent="457200" algn="just">
+              <a:spcBef>
+                <a:spcPts val="1200"/>
+              </a:spcBef>
+              <a:spcAft>
+                <a:spcPts val="1200"/>
+              </a:spcAft>
+            </a:pPr>
+            <a:r>
+              <a:rPr lang="pt-BR" sz="3200" b="0" dirty="0">
+                <a:solidFill>
+                  <a:srgbClr val="002060"/>
+                </a:solidFill>
+                <a:effectLst/>
+                <a:latin typeface="+mj-lt"/>
+              </a:rPr>
+              <a:t>	</a:t>
+            </a:r>
+            <a:r>
+              <a:rPr lang="pt-BR" sz="3200" kern="100" dirty="0">
+                <a:solidFill>
+                  <a:srgbClr val="002060"/>
+                </a:solidFill>
+                <a:effectLst/>
+                <a:latin typeface="+mj-lt"/>
+                <a:ea typeface="Calibri" panose="020F0502020204030204" pitchFamily="34" charset="0"/>
+                <a:cs typeface="Times New Roman" panose="02020603050405020304" pitchFamily="18" charset="0"/>
+              </a:rPr>
+              <a:t>Para ajudar os países desenvolvidos que aderiram ao protocolo a atingir suas metas, foram criados dispositivos como o Comércio de Emissões e o Mecanismo de Desenvolvimento Limpo (MDL). A considerável redução dos GEE torna-se muitas vezes cara e impraticável em um curto período. O MDL foi criado para solucionar esse problema, permitindo que países que não cumpriram suas metas comprem permissões para poluir, financiando o controle ambiental em países em desenvolvimento. Isso é feito por meio do crédito de carbono, que tem cada unidade equivalente a uma tonelada de CO² não emitido na atmosfera. </a:t>
+            </a:r>
+          </a:p>
+          <a:p>
+            <a:pPr indent="457200" algn="just" rtl="0">
+              <a:spcBef>
+                <a:spcPts val="1200"/>
+              </a:spcBef>
+              <a:spcAft>
+                <a:spcPts val="1200"/>
+              </a:spcAft>
+            </a:pPr>
+            <a:r>
+              <a:rPr lang="pt-BR" sz="3200" dirty="0">
+                <a:solidFill>
+                  <a:srgbClr val="002060"/>
+                </a:solidFill>
+                <a:latin typeface="+mj-lt"/>
+              </a:rPr>
+              <a:t>	</a:t>
+            </a:r>
+            <a:r>
+              <a:rPr lang="pt-BR" sz="3200" b="0" i="0" u="none" strike="noStrike" dirty="0">
+                <a:solidFill>
+                  <a:srgbClr val="002060"/>
+                </a:solidFill>
+                <a:effectLst/>
+                <a:latin typeface="+mj-lt"/>
+              </a:rPr>
+              <a:t>Visando implantar o credito de carbono em frotas, serão examinados estudos de casos relevantes que demonstram como os créditos de carbono, ao serem implementados e regulamentados, impactarão positivamente no desenvolvimento sustentável do país. Por fim, será discutido a viabilidade do projeto, as implicações  éticas e o engajamento da sociedade na adoção do projeto.</a:t>
             </a:r>
             <a:endParaRPr lang="pt-BR" sz="3200" b="0" dirty="0">
               <a:solidFill>
@@ -13315,23 +13417,6 @@
                 <a:spcPts val="1200"/>
               </a:spcAft>
             </a:pPr>
-            <a:br>
-              <a:rPr lang="pt-BR" sz="3200" dirty="0">
-                <a:solidFill>
-                  <a:srgbClr val="002060"/>
-                </a:solidFill>
-                <a:latin typeface="+mj-lt"/>
-              </a:rPr>
-            </a:br>
-            <a:r>
-              <a:rPr lang="pt-BR" sz="3200" dirty="0">
-                <a:solidFill>
-                  <a:srgbClr val="002060"/>
-                </a:solidFill>
-                <a:latin typeface="+mj-lt"/>
-              </a:rPr>
-              <a:t>	</a:t>
-            </a:r>
             <a:r>
               <a:rPr lang="pt-BR" sz="3200" b="0" i="0" u="none" strike="noStrike" dirty="0">
                 <a:solidFill>
@@ -13340,72 +13425,38 @@
                 <a:effectLst/>
                 <a:latin typeface="+mj-lt"/>
               </a:rPr>
-              <a:t>Além disso, serão examinados estudos de caso relevantes que demonstram como os créditos de carbono, ao serem implementados e regulamentados, impactarão positivamente no desenvolvimento sustentável do país. Por fim, será discutido a viabilidade do projeto, as implicações  éticas e o engajamento da sociedade na adoção do projeto.</a:t>
+              <a:t>No decorrer deste trabalho, as questões serão abordadas de forma aprofundada visando os créditos de carbono e sua regulamentação, apresentando pesquisas embasadas e propondo alternativas e soluções para um mundo mais sustentável reduzindo </a:t>
             </a:r>
-            <a:endParaRPr lang="pt-BR" sz="3200" b="0" dirty="0">
-              <a:solidFill>
-                <a:srgbClr val="002060"/>
-              </a:solidFill>
-              <a:effectLst/>
-              <a:latin typeface="+mj-lt"/>
-            </a:endParaRPr>
-          </a:p>
-          <a:p>
-            <a:pPr indent="457200" algn="just" rtl="0">
-              <a:spcBef>
-                <a:spcPts val="1200"/>
-              </a:spcBef>
-              <a:spcAft>
-                <a:spcPts val="1200"/>
-              </a:spcAft>
-            </a:pPr>
             <a:r>
-              <a:rPr lang="pt-BR" sz="3200" b="0" i="0" u="none" strike="noStrike" dirty="0">
+              <a:rPr lang="pt-BR" sz="3200" b="0" i="0" u="none" strike="noStrike">
                 <a:solidFill>
                   <a:srgbClr val="002060"/>
                 </a:solidFill>
                 <a:effectLst/>
                 <a:latin typeface="+mj-lt"/>
               </a:rPr>
-              <a:t>No decorrer deste trabalho, as questões serão abordadas de forma aprofundada visando os créditos de carbono e sua regulamentação, apresentando pesquisas embasadas e propondo alternativas e soluções para um mundo mais sustentável reduzindo dados poluentes.</a:t>
+              <a:t>poluentes.</a:t>
             </a:r>
           </a:p>
           <a:p>
             <a:pPr indent="457200" algn="just" rtl="0">
               <a:spcBef>
-                <a:spcPts val="905"/>
-              </a:spcBef>
-              <a:spcAft>
-                <a:spcPts val="0"/>
+                <a:spcPts val="1200"/>
+              </a:spcBef>
+              <a:spcAft>
+                <a:spcPts val="1200"/>
               </a:spcAft>
             </a:pPr>
             <a:r>
-              <a:rPr lang="pt-BR" sz="3200" b="0" i="0" u="none" strike="noStrike" dirty="0">
+              <a:rPr lang="pt-BR" sz="3200" b="0" i="0" u="none" strike="noStrike">
                 <a:solidFill>
                   <a:srgbClr val="002060"/>
                 </a:solidFill>
                 <a:effectLst/>
                 <a:latin typeface="+mj-lt"/>
               </a:rPr>
-              <a:t>Observa-se no atual cenário, que o mundo vive as temidas variações de clima por conta da poluição atmosférica. O dióxido de carbono (CO2) traz efeitos danosos severos para o planeta terra, e é a partir deste fato que surge o termo sustentabilidade que traz às pessoas  a conscientização da utilização dos recursos naturais.</a:t>
+              <a:t>Pensando </a:t>
             </a:r>
-            <a:endParaRPr lang="pt-BR" sz="3200" b="0" dirty="0">
-              <a:solidFill>
-                <a:srgbClr val="002060"/>
-              </a:solidFill>
-              <a:effectLst/>
-              <a:latin typeface="+mj-lt"/>
-            </a:endParaRPr>
-          </a:p>
-          <a:p>
-            <a:pPr indent="457200" algn="just" rtl="0">
-              <a:spcBef>
-                <a:spcPts val="905"/>
-              </a:spcBef>
-              <a:spcAft>
-                <a:spcPts val="0"/>
-              </a:spcAft>
-            </a:pPr>
             <a:r>
               <a:rPr lang="pt-BR" sz="3200" b="0" i="0" u="none" strike="noStrike" dirty="0">
                 <a:solidFill>
@@ -13414,7 +13465,7 @@
                 <a:effectLst/>
                 <a:latin typeface="+mj-lt"/>
               </a:rPr>
-              <a:t>Pensando na inovação e em alternativas para reduzir a propagação do carbono no ar, foi desenvolvido um sistema de fácil utilização que contém todos os cálculos para utilizar de créditos de carbono também para frotas corporativas, que pretende reduzir em x% a poluição pelo carbono na atmosfera.</a:t>
+              <a:t>na inovação e em alternativas para reduzir a propagação do carbono no ar, foi desenvolvido um sistema de fácil utilização que contém todos os cálculos para utilizar de créditos de carbono também para frotas corporativas, que pretende reduzir em x% a poluição pelo carbono na atmosfera.</a:t>
             </a:r>
             <a:endParaRPr lang="pt-BR" sz="3200" b="0" dirty="0">
               <a:solidFill>
@@ -13839,7 +13890,7 @@
                 </a:solidFill>
                 <a:latin typeface="+mj-lt"/>
               </a:rPr>
-              <a:t>Professora: André Muniz</a:t>
+              <a:t>Professor: André Muniz</a:t>
             </a:r>
           </a:p>
           <a:p>
